--- a/vendor/documents/asker.pptx
+++ b/vendor/documents/asker.pptx
@@ -12,8 +12,7 @@
     <p:sldId id="261" r:id="rId6"/>
     <p:sldId id="263" r:id="rId7"/>
     <p:sldId id="262" r:id="rId8"/>
-    <p:sldId id="257" r:id="rId9"/>
-    <p:sldId id="259" r:id="rId10"/>
+    <p:sldId id="259" r:id="rId9"/>
   </p:sldIdLst>
   <p:sldSz cx="12192000" cy="6858000"/>
   <p:notesSz cx="6858000" cy="9144000"/>
@@ -842,7 +841,7 @@
           <a:p>
             <a:fld id="{1DDC71AC-26FE-47A2-AF96-587CABB00601}" type="datetimeFigureOut">
               <a:rPr lang="en-US" smtClean="0"/>
-              <a:t>4/26/19</a:t>
+              <a:t>6/12/19</a:t>
             </a:fld>
             <a:endParaRPr lang="en-US"/>
           </a:p>
@@ -1093,7 +1092,7 @@
           <a:p>
             <a:fld id="{1DDC71AC-26FE-47A2-AF96-587CABB00601}" type="datetimeFigureOut">
               <a:rPr lang="en-US" smtClean="0"/>
-              <a:t>4/26/19</a:t>
+              <a:t>6/12/19</a:t>
             </a:fld>
             <a:endParaRPr lang="en-US"/>
           </a:p>
@@ -1407,7 +1406,7 @@
           <a:p>
             <a:fld id="{1DDC71AC-26FE-47A2-AF96-587CABB00601}" type="datetimeFigureOut">
               <a:rPr lang="en-US" smtClean="0"/>
-              <a:t>4/26/19</a:t>
+              <a:t>6/12/19</a:t>
             </a:fld>
             <a:endParaRPr lang="en-US"/>
           </a:p>
@@ -1748,7 +1747,7 @@
           <a:p>
             <a:fld id="{1DDC71AC-26FE-47A2-AF96-587CABB00601}" type="datetimeFigureOut">
               <a:rPr lang="en-US" smtClean="0"/>
-              <a:t>4/26/19</a:t>
+              <a:t>6/12/19</a:t>
             </a:fld>
             <a:endParaRPr lang="en-US"/>
           </a:p>
@@ -2062,7 +2061,7 @@
           <a:p>
             <a:fld id="{1DDC71AC-26FE-47A2-AF96-587CABB00601}" type="datetimeFigureOut">
               <a:rPr lang="en-US" smtClean="0"/>
-              <a:t>4/26/19</a:t>
+              <a:t>6/12/19</a:t>
             </a:fld>
             <a:endParaRPr lang="en-US"/>
           </a:p>
@@ -2455,7 +2454,7 @@
           <a:p>
             <a:fld id="{1DDC71AC-26FE-47A2-AF96-587CABB00601}" type="datetimeFigureOut">
               <a:rPr lang="en-US" smtClean="0"/>
-              <a:t>4/26/19</a:t>
+              <a:t>6/12/19</a:t>
             </a:fld>
             <a:endParaRPr lang="en-US"/>
           </a:p>
@@ -2625,7 +2624,7 @@
           <a:p>
             <a:fld id="{1DDC71AC-26FE-47A2-AF96-587CABB00601}" type="datetimeFigureOut">
               <a:rPr lang="en-US" smtClean="0"/>
-              <a:t>4/26/19</a:t>
+              <a:t>6/12/19</a:t>
             </a:fld>
             <a:endParaRPr lang="en-US"/>
           </a:p>
@@ -2805,7 +2804,7 @@
           <a:p>
             <a:fld id="{1DDC71AC-26FE-47A2-AF96-587CABB00601}" type="datetimeFigureOut">
               <a:rPr lang="en-US" smtClean="0"/>
-              <a:t>4/26/19</a:t>
+              <a:t>6/12/19</a:t>
             </a:fld>
             <a:endParaRPr lang="en-US"/>
           </a:p>
@@ -2981,7 +2980,7 @@
           <a:p>
             <a:fld id="{1DDC71AC-26FE-47A2-AF96-587CABB00601}" type="datetimeFigureOut">
               <a:rPr lang="en-US" smtClean="0"/>
-              <a:t>4/26/19</a:t>
+              <a:t>6/12/19</a:t>
             </a:fld>
             <a:endParaRPr lang="en-US"/>
           </a:p>
@@ -3228,7 +3227,7 @@
           <a:p>
             <a:fld id="{1DDC71AC-26FE-47A2-AF96-587CABB00601}" type="datetimeFigureOut">
               <a:rPr lang="en-US" smtClean="0"/>
-              <a:t>4/26/19</a:t>
+              <a:t>6/12/19</a:t>
             </a:fld>
             <a:endParaRPr lang="en-US"/>
           </a:p>
@@ -3460,7 +3459,7 @@
           <a:p>
             <a:fld id="{1DDC71AC-26FE-47A2-AF96-587CABB00601}" type="datetimeFigureOut">
               <a:rPr lang="en-US" smtClean="0"/>
-              <a:t>4/26/19</a:t>
+              <a:t>6/12/19</a:t>
             </a:fld>
             <a:endParaRPr lang="en-US"/>
           </a:p>
@@ -3834,7 +3833,7 @@
           <a:p>
             <a:fld id="{1DDC71AC-26FE-47A2-AF96-587CABB00601}" type="datetimeFigureOut">
               <a:rPr lang="en-US" smtClean="0"/>
-              <a:t>4/26/19</a:t>
+              <a:t>6/12/19</a:t>
             </a:fld>
             <a:endParaRPr lang="en-US"/>
           </a:p>
@@ -3957,7 +3956,7 @@
           <a:p>
             <a:fld id="{1DDC71AC-26FE-47A2-AF96-587CABB00601}" type="datetimeFigureOut">
               <a:rPr lang="en-US" smtClean="0"/>
-              <a:t>4/26/19</a:t>
+              <a:t>6/12/19</a:t>
             </a:fld>
             <a:endParaRPr lang="en-US"/>
           </a:p>
@@ -4052,7 +4051,7 @@
           <a:p>
             <a:fld id="{1DDC71AC-26FE-47A2-AF96-587CABB00601}" type="datetimeFigureOut">
               <a:rPr lang="en-US" smtClean="0"/>
-              <a:t>4/26/19</a:t>
+              <a:t>6/12/19</a:t>
             </a:fld>
             <a:endParaRPr lang="en-US"/>
           </a:p>
@@ -4307,7 +4306,7 @@
           <a:p>
             <a:fld id="{1DDC71AC-26FE-47A2-AF96-587CABB00601}" type="datetimeFigureOut">
               <a:rPr lang="en-US" smtClean="0"/>
-              <a:t>4/26/19</a:t>
+              <a:t>6/12/19</a:t>
             </a:fld>
             <a:endParaRPr lang="en-US"/>
           </a:p>
@@ -4570,7 +4569,7 @@
           <a:p>
             <a:fld id="{1DDC71AC-26FE-47A2-AF96-587CABB00601}" type="datetimeFigureOut">
               <a:rPr lang="en-US" smtClean="0"/>
-              <a:t>4/26/19</a:t>
+              <a:t>6/12/19</a:t>
             </a:fld>
             <a:endParaRPr lang="en-US"/>
           </a:p>
@@ -5313,7 +5312,7 @@
           <a:p>
             <a:fld id="{1DDC71AC-26FE-47A2-AF96-587CABB00601}" type="datetimeFigureOut">
               <a:rPr lang="en-US" smtClean="0"/>
-              <a:t>4/26/19</a:t>
+              <a:t>6/12/19</a:t>
             </a:fld>
             <a:endParaRPr lang="en-US"/>
           </a:p>
@@ -6026,8 +6025,8 @@
         </p:blipFill>
         <p:spPr>
           <a:xfrm>
-            <a:off x="677334" y="1443773"/>
-            <a:ext cx="8867550" cy="4019652"/>
+            <a:off x="312458" y="1443773"/>
+            <a:ext cx="9232426" cy="4185050"/>
           </a:xfrm>
         </p:spPr>
       </p:pic>
@@ -6103,22 +6102,22 @@
           <a:lstStyle/>
           <a:p>
             <a:r>
-              <a:rPr lang="ru-RU" sz="2200" dirty="0" smtClean="0"/>
+              <a:rPr lang="ru-RU" sz="2600" dirty="0" smtClean="0"/>
               <a:t>Высокая скорость поиска возможного ответа</a:t>
             </a:r>
           </a:p>
           <a:p>
             <a:r>
-              <a:rPr lang="ru-RU" sz="2200" dirty="0" smtClean="0"/>
+              <a:rPr lang="ru-RU" sz="2600" dirty="0" smtClean="0"/>
               <a:t>Голосование за лучший ответ</a:t>
             </a:r>
           </a:p>
           <a:p>
             <a:r>
-              <a:rPr lang="ru-RU" sz="2200" dirty="0" smtClean="0"/>
+              <a:rPr lang="ru-RU" sz="2600" dirty="0" smtClean="0"/>
               <a:t>Управления ролями пользователя</a:t>
             </a:r>
-            <a:endParaRPr lang="en-US" sz="2200" dirty="0"/>
+            <a:endParaRPr lang="en-US" sz="2600" dirty="0"/>
           </a:p>
         </p:txBody>
       </p:sp>
@@ -6498,89 +6497,6 @@
             <p:ph type="title"/>
           </p:nvPr>
         </p:nvSpPr>
-        <p:spPr/>
-        <p:txBody>
-          <a:bodyPr/>
-          <a:lstStyle/>
-          <a:p>
-            <a:pPr algn="ctr"/>
-            <a:r>
-              <a:rPr lang="ru-RU" dirty="0" smtClean="0"/>
-              <a:t>Архитектура</a:t>
-            </a:r>
-            <a:endParaRPr lang="en-US" dirty="0"/>
-          </a:p>
-        </p:txBody>
-      </p:sp>
-      <p:pic>
-        <p:nvPicPr>
-          <p:cNvPr id="4" name="Объект 3"/>
-          <p:cNvPicPr>
-            <a:picLocks noGrp="1" noChangeAspect="1"/>
-          </p:cNvPicPr>
-          <p:nvPr>
-            <p:ph idx="1"/>
-          </p:nvPr>
-        </p:nvPicPr>
-        <p:blipFill>
-          <a:blip r:embed="rId2" cstate="print">
-            <a:extLst>
-              <a:ext uri="{28A0092B-C50C-407E-A947-70E740481C1C}">
-                <a14:useLocalDpi xmlns:a14="http://schemas.microsoft.com/office/drawing/2010/main" val="0"/>
-              </a:ext>
-            </a:extLst>
-          </a:blip>
-          <a:stretch>
-            <a:fillRect/>
-          </a:stretch>
-        </p:blipFill>
-        <p:spPr>
-          <a:xfrm>
-            <a:off x="944977" y="1270000"/>
-            <a:ext cx="7638437" cy="5401467"/>
-          </a:xfrm>
-        </p:spPr>
-      </p:pic>
-    </p:spTree>
-    <p:extLst>
-      <p:ext uri="{BB962C8B-B14F-4D97-AF65-F5344CB8AC3E}">
-        <p14:creationId xmlns:p14="http://schemas.microsoft.com/office/powerpoint/2010/main" val="333170497"/>
-      </p:ext>
-    </p:extLst>
-  </p:cSld>
-  <p:clrMapOvr>
-    <a:masterClrMapping/>
-  </p:clrMapOvr>
-</p:sld>
-</file>
-
-<file path=ppt/slides/slide9.xml><?xml version="1.0" encoding="utf-8"?>
-<p:sld xmlns:a="http://schemas.openxmlformats.org/drawingml/2006/main" xmlns:r="http://schemas.openxmlformats.org/officeDocument/2006/relationships" xmlns:p="http://schemas.openxmlformats.org/presentationml/2006/main">
-  <p:cSld>
-    <p:spTree>
-      <p:nvGrpSpPr>
-        <p:cNvPr id="1" name=""/>
-        <p:cNvGrpSpPr/>
-        <p:nvPr/>
-      </p:nvGrpSpPr>
-      <p:grpSpPr>
-        <a:xfrm>
-          <a:off x="0" y="0"/>
-          <a:ext cx="0" cy="0"/>
-          <a:chOff x="0" y="0"/>
-          <a:chExt cx="0" cy="0"/>
-        </a:xfrm>
-      </p:grpSpPr>
-      <p:sp>
-        <p:nvSpPr>
-          <p:cNvPr id="2" name="Заголовок 1"/>
-          <p:cNvSpPr>
-            <a:spLocks noGrp="1"/>
-          </p:cNvSpPr>
-          <p:nvPr>
-            <p:ph type="title"/>
-          </p:nvPr>
-        </p:nvSpPr>
         <p:spPr>
           <a:xfrm>
             <a:off x="861133" y="2714098"/>
@@ -6616,8 +6532,8 @@
         </p:nvSpPr>
         <p:spPr>
           <a:xfrm>
-            <a:off x="799525" y="6424339"/>
-            <a:ext cx="6727043" cy="369332"/>
+            <a:off x="680056" y="5974031"/>
+            <a:ext cx="10752242" cy="615553"/>
           </a:xfrm>
           <a:prstGeom prst="rect">
             <a:avLst/>
@@ -6631,14 +6547,14 @@
           <a:lstStyle/>
           <a:p>
             <a:r>
-              <a:rPr lang="ru-RU" dirty="0" smtClean="0"/>
-              <a:t>Ссылка на приложение</a:t>
-            </a:r>
-            <a:r>
-              <a:rPr lang="en-US" dirty="0" smtClean="0"/>
-              <a:t>: https://asker-app.herokuapp.com</a:t>
-            </a:r>
-            <a:endParaRPr lang="en-US" dirty="0"/>
+              <a:rPr lang="en-US" sz="3400" dirty="0" smtClean="0"/>
+              <a:t>https</a:t>
+            </a:r>
+            <a:r>
+              <a:rPr lang="en-US" sz="3400" dirty="0" smtClean="0"/>
+              <a:t>://asker-app.herokuapp.com</a:t>
+            </a:r>
+            <a:endParaRPr lang="en-US" sz="3400" dirty="0"/>
           </a:p>
         </p:txBody>
       </p:sp>
